--- a/doc/2D 게임프로그래밍 3차 발표.pptx
+++ b/doc/2D 게임프로그래밍 3차 발표.pptx
@@ -1816,7 +1816,7 @@
             <a:fld id="{FD2766A6-3C10-4AB8-86A1-BB1F0CDA7EFE}" type="datetimeFigureOut">
               <a:rPr lang="en-US" smtClean="0"/>
               <a:pPr/>
-              <a:t>12/2/2023</a:t>
+              <a:t>12/4/2023</a:t>
             </a:fld>
             <a:endParaRPr lang="en-US" dirty="0"/>
           </a:p>
@@ -3497,7 +3497,7 @@
             <a:fld id="{FD2766A6-3C10-4AB8-86A1-BB1F0CDA7EFE}" type="datetimeFigureOut">
               <a:rPr lang="en-US" smtClean="0"/>
               <a:pPr/>
-              <a:t>12/2/2023</a:t>
+              <a:t>12/4/2023</a:t>
             </a:fld>
             <a:endParaRPr lang="en-US" dirty="0"/>
           </a:p>
@@ -5186,7 +5186,7 @@
             <a:fld id="{FD2766A6-3C10-4AB8-86A1-BB1F0CDA7EFE}" type="datetimeFigureOut">
               <a:rPr lang="en-US" smtClean="0"/>
               <a:pPr/>
-              <a:t>12/2/2023</a:t>
+              <a:t>12/4/2023</a:t>
             </a:fld>
             <a:endParaRPr lang="en-US" dirty="0"/>
           </a:p>
@@ -5359,7 +5359,7 @@
             <a:fld id="{FD2766A6-3C10-4AB8-86A1-BB1F0CDA7EFE}" type="datetimeFigureOut">
               <a:rPr lang="en-US" smtClean="0"/>
               <a:pPr/>
-              <a:t>12/2/2023</a:t>
+              <a:t>12/4/2023</a:t>
             </a:fld>
             <a:endParaRPr lang="en-US" dirty="0"/>
           </a:p>
@@ -7083,7 +7083,7 @@
             <a:fld id="{FD2766A6-3C10-4AB8-86A1-BB1F0CDA7EFE}" type="datetimeFigureOut">
               <a:rPr lang="en-US" smtClean="0"/>
               <a:pPr/>
-              <a:t>12/2/2023</a:t>
+              <a:t>12/4/2023</a:t>
             </a:fld>
             <a:endParaRPr lang="en-US" dirty="0"/>
           </a:p>
@@ -8078,7 +8078,7 @@
             <a:fld id="{FD2766A6-3C10-4AB8-86A1-BB1F0CDA7EFE}" type="datetimeFigureOut">
               <a:rPr lang="en-US" smtClean="0"/>
               <a:pPr/>
-              <a:t>12/2/2023</a:t>
+              <a:t>12/4/2023</a:t>
             </a:fld>
             <a:endParaRPr lang="en-US" dirty="0"/>
           </a:p>
@@ -8351,7 +8351,7 @@
             <a:fld id="{FD2766A6-3C10-4AB8-86A1-BB1F0CDA7EFE}" type="datetimeFigureOut">
               <a:rPr lang="en-US" smtClean="0"/>
               <a:pPr/>
-              <a:t>12/2/2023</a:t>
+              <a:t>12/4/2023</a:t>
             </a:fld>
             <a:endParaRPr lang="en-US" dirty="0"/>
           </a:p>
@@ -9456,7 +9456,7 @@
             <a:fld id="{FD2766A6-3C10-4AB8-86A1-BB1F0CDA7EFE}" type="datetimeFigureOut">
               <a:rPr lang="en-US" smtClean="0"/>
               <a:pPr/>
-              <a:t>12/2/2023</a:t>
+              <a:t>12/4/2023</a:t>
             </a:fld>
             <a:endParaRPr lang="en-US" dirty="0"/>
           </a:p>
@@ -10437,7 +10437,7 @@
             <a:fld id="{FD2766A6-3C10-4AB8-86A1-BB1F0CDA7EFE}" type="datetimeFigureOut">
               <a:rPr lang="en-US" smtClean="0"/>
               <a:pPr/>
-              <a:t>12/2/2023</a:t>
+              <a:t>12/4/2023</a:t>
             </a:fld>
             <a:endParaRPr lang="en-US" dirty="0"/>
           </a:p>
@@ -13952,7 +13952,7 @@
             <a:fld id="{FD2766A6-3C10-4AB8-86A1-BB1F0CDA7EFE}" type="datetimeFigureOut">
               <a:rPr lang="en-US" smtClean="0"/>
               <a:pPr/>
-              <a:t>12/2/2023</a:t>
+              <a:t>12/4/2023</a:t>
             </a:fld>
             <a:endParaRPr lang="en-US" dirty="0"/>
           </a:p>
@@ -14226,7 +14226,7 @@
             <a:fld id="{FD2766A6-3C10-4AB8-86A1-BB1F0CDA7EFE}" type="datetimeFigureOut">
               <a:rPr lang="en-US" smtClean="0"/>
               <a:pPr/>
-              <a:t>12/2/2023</a:t>
+              <a:t>12/4/2023</a:t>
             </a:fld>
             <a:endParaRPr lang="en-US" dirty="0"/>
           </a:p>
@@ -16979,7 +16979,7 @@
             <a:fld id="{FD2766A6-3C10-4AB8-86A1-BB1F0CDA7EFE}" type="datetimeFigureOut">
               <a:rPr lang="en-US" smtClean="0"/>
               <a:pPr/>
-              <a:t>12/2/2023</a:t>
+              <a:t>12/4/2023</a:t>
             </a:fld>
             <a:endParaRPr lang="en-US" dirty="0"/>
           </a:p>
@@ -17649,7 +17649,7 @@
             <p:ph idx="1"/>
             <p:extLst>
               <p:ext uri="{D42A27DB-BD31-4B8C-83A1-F6EECF244321}">
-                <p14:modId xmlns:p14="http://schemas.microsoft.com/office/powerpoint/2010/main" val="357887297"/>
+                <p14:modId xmlns:p14="http://schemas.microsoft.com/office/powerpoint/2010/main" val="97279325"/>
               </p:ext>
             </p:extLst>
           </p:nvPr>
@@ -18304,7 +18304,7 @@
                       </a:r>
                       <a:r>
                         <a:rPr lang="ko-KR" altLang="en-US" sz="1200" dirty="0"/>
-                        <a:t>부드러운 카메라 확대 기능</a:t>
+                        <a:t>부드러운 카메라 줌인</a:t>
                       </a:r>
                     </a:p>
                   </a:txBody>
@@ -18480,15 +18480,7 @@
                       <a:pPr algn="l" latinLnBrk="1"/>
                       <a:r>
                         <a:rPr lang="en-US" altLang="ko-KR" sz="1200" dirty="0"/>
-                        <a:t>- </a:t>
-                      </a:r>
-                      <a:r>
-                        <a:rPr lang="ko-KR" altLang="en-US" sz="1200" dirty="0"/>
-                        <a:t>각종 기능 </a:t>
-                      </a:r>
-                      <a:r>
-                        <a:rPr lang="en-US" altLang="ko-KR" sz="1200" dirty="0"/>
-                        <a:t>UI</a:t>
+                        <a:t>- UI</a:t>
                       </a:r>
                     </a:p>
                   </a:txBody>
@@ -18605,14 +18597,14 @@
             <p:ph idx="1"/>
             <p:extLst>
               <p:ext uri="{D42A27DB-BD31-4B8C-83A1-F6EECF244321}">
-                <p14:modId xmlns:p14="http://schemas.microsoft.com/office/powerpoint/2010/main" val="3990605402"/>
+                <p14:modId xmlns:p14="http://schemas.microsoft.com/office/powerpoint/2010/main" val="3445240435"/>
               </p:ext>
             </p:extLst>
           </p:nvPr>
         </p:nvGraphicFramePr>
         <p:xfrm>
           <a:off x="4174759" y="3556416"/>
-          <a:ext cx="3842480" cy="2943808"/>
+          <a:ext cx="3842480" cy="2946656"/>
         </p:xfrm>
         <a:graphic>
           <a:graphicData uri="http://schemas.openxmlformats.org/drawingml/2006/table">
@@ -18636,7 +18628,7 @@
                   </a:extLst>
                 </a:gridCol>
               </a:tblGrid>
-              <a:tr h="420544">
+              <a:tr h="368332">
                 <a:tc>
                   <a:txBody>
                     <a:bodyPr/>
@@ -18675,7 +18667,7 @@
                   </a:ext>
                 </a:extLst>
               </a:tr>
-              <a:tr h="420544">
+              <a:tr h="368332">
                 <a:tc>
                   <a:txBody>
                     <a:bodyPr/>
@@ -18712,7 +18704,7 @@
                   </a:ext>
                 </a:extLst>
               </a:tr>
-              <a:tr h="420544">
+              <a:tr h="368332">
                 <a:tc>
                   <a:txBody>
                     <a:bodyPr/>
@@ -18749,7 +18741,7 @@
                   </a:ext>
                 </a:extLst>
               </a:tr>
-              <a:tr h="420544">
+              <a:tr h="368332">
                 <a:tc>
                   <a:txBody>
                     <a:bodyPr/>
@@ -18786,7 +18778,7 @@
                   </a:ext>
                 </a:extLst>
               </a:tr>
-              <a:tr h="420544">
+              <a:tr h="368332">
                 <a:tc>
                   <a:txBody>
                     <a:bodyPr/>
@@ -18823,7 +18815,7 @@
                   </a:ext>
                 </a:extLst>
               </a:tr>
-              <a:tr h="420544">
+              <a:tr h="368332">
                 <a:tc>
                   <a:txBody>
                     <a:bodyPr/>
@@ -18860,7 +18852,48 @@
                   </a:ext>
                 </a:extLst>
               </a:tr>
-              <a:tr h="420544">
+              <a:tr h="368332">
+                <a:tc>
+                  <a:txBody>
+                    <a:bodyPr/>
+                    <a:lstStyle/>
+                    <a:p>
+                      <a:pPr algn="ctr" latinLnBrk="1"/>
+                      <a:r>
+                        <a:rPr lang="en-US" altLang="ko-KR" dirty="0"/>
+                        <a:t>Week of </a:t>
+                      </a:r>
+                      <a:r>
+                        <a:rPr lang="en-US" altLang="ko-KR"/>
+                        <a:t>Nov 19</a:t>
+                      </a:r>
+                      <a:endParaRPr lang="ko-KR" altLang="en-US" dirty="0"/>
+                    </a:p>
+                  </a:txBody>
+                  <a:tcPr anchor="ctr"/>
+                </a:tc>
+                <a:tc>
+                  <a:txBody>
+                    <a:bodyPr/>
+                    <a:lstStyle/>
+                    <a:p>
+                      <a:pPr algn="ctr" latinLnBrk="1"/>
+                      <a:r>
+                        <a:rPr lang="en-US" altLang="ko-KR"/>
+                        <a:t>0</a:t>
+                      </a:r>
+                      <a:endParaRPr lang="ko-KR" altLang="en-US" dirty="0"/>
+                    </a:p>
+                  </a:txBody>
+                  <a:tcPr anchor="ctr"/>
+                </a:tc>
+                <a:extLst>
+                  <a:ext uri="{0D108BD9-81ED-4DB2-BD59-A6C34878D82A}">
+                    <a16:rowId xmlns:a16="http://schemas.microsoft.com/office/drawing/2014/main" val="3726654557"/>
+                  </a:ext>
+                </a:extLst>
+              </a:tr>
+              <a:tr h="368332">
                 <a:tc>
                   <a:txBody>
                     <a:bodyPr/>
@@ -18883,8 +18916,8 @@
                     <a:p>
                       <a:pPr algn="ctr" latinLnBrk="1"/>
                       <a:r>
-                        <a:rPr lang="en-US" altLang="ko-KR" dirty="0"/>
-                        <a:t>15</a:t>
+                        <a:rPr lang="en-US" altLang="ko-KR"/>
+                        <a:t>16</a:t>
                       </a:r>
                       <a:endParaRPr lang="ko-KR" altLang="en-US" dirty="0"/>
                     </a:p>
@@ -18893,7 +18926,7 @@
                 </a:tc>
                 <a:extLst>
                   <a:ext uri="{0D108BD9-81ED-4DB2-BD59-A6C34878D82A}">
-                    <a16:rowId xmlns:a16="http://schemas.microsoft.com/office/drawing/2014/main" val="3726654557"/>
+                    <a16:rowId xmlns:a16="http://schemas.microsoft.com/office/drawing/2014/main" val="317476108"/>
                   </a:ext>
                 </a:extLst>
               </a:tr>
